--- a/figure/diffmap/ssimmap.pptx
+++ b/figure/diffmap/ssimmap.pptx
@@ -247,7 +247,7 @@
           <a:p>
             <a:fld id="{AEEC718D-1538-450E-A1EF-13157973CE6E}" type="datetimeFigureOut">
               <a:rPr lang="zh-CN" altLang="en-US" smtClean="0"/>
-              <a:t>2022/2/23</a:t>
+              <a:t>2022/3/11</a:t>
             </a:fld>
             <a:endParaRPr lang="zh-CN" altLang="en-US"/>
           </a:p>
@@ -417,7 +417,7 @@
           <a:p>
             <a:fld id="{AEEC718D-1538-450E-A1EF-13157973CE6E}" type="datetimeFigureOut">
               <a:rPr lang="zh-CN" altLang="en-US" smtClean="0"/>
-              <a:t>2022/2/23</a:t>
+              <a:t>2022/3/11</a:t>
             </a:fld>
             <a:endParaRPr lang="zh-CN" altLang="en-US"/>
           </a:p>
@@ -597,7 +597,7 @@
           <a:p>
             <a:fld id="{AEEC718D-1538-450E-A1EF-13157973CE6E}" type="datetimeFigureOut">
               <a:rPr lang="zh-CN" altLang="en-US" smtClean="0"/>
-              <a:t>2022/2/23</a:t>
+              <a:t>2022/3/11</a:t>
             </a:fld>
             <a:endParaRPr lang="zh-CN" altLang="en-US"/>
           </a:p>
@@ -767,7 +767,7 @@
           <a:p>
             <a:fld id="{AEEC718D-1538-450E-A1EF-13157973CE6E}" type="datetimeFigureOut">
               <a:rPr lang="zh-CN" altLang="en-US" smtClean="0"/>
-              <a:t>2022/2/23</a:t>
+              <a:t>2022/3/11</a:t>
             </a:fld>
             <a:endParaRPr lang="zh-CN" altLang="en-US"/>
           </a:p>
@@ -1013,7 +1013,7 @@
           <a:p>
             <a:fld id="{AEEC718D-1538-450E-A1EF-13157973CE6E}" type="datetimeFigureOut">
               <a:rPr lang="zh-CN" altLang="en-US" smtClean="0"/>
-              <a:t>2022/2/23</a:t>
+              <a:t>2022/3/11</a:t>
             </a:fld>
             <a:endParaRPr lang="zh-CN" altLang="en-US"/>
           </a:p>
@@ -1245,7 +1245,7 @@
           <a:p>
             <a:fld id="{AEEC718D-1538-450E-A1EF-13157973CE6E}" type="datetimeFigureOut">
               <a:rPr lang="zh-CN" altLang="en-US" smtClean="0"/>
-              <a:t>2022/2/23</a:t>
+              <a:t>2022/3/11</a:t>
             </a:fld>
             <a:endParaRPr lang="zh-CN" altLang="en-US"/>
           </a:p>
@@ -1612,7 +1612,7 @@
           <a:p>
             <a:fld id="{AEEC718D-1538-450E-A1EF-13157973CE6E}" type="datetimeFigureOut">
               <a:rPr lang="zh-CN" altLang="en-US" smtClean="0"/>
-              <a:t>2022/2/23</a:t>
+              <a:t>2022/3/11</a:t>
             </a:fld>
             <a:endParaRPr lang="zh-CN" altLang="en-US"/>
           </a:p>
@@ -1730,7 +1730,7 @@
           <a:p>
             <a:fld id="{AEEC718D-1538-450E-A1EF-13157973CE6E}" type="datetimeFigureOut">
               <a:rPr lang="zh-CN" altLang="en-US" smtClean="0"/>
-              <a:t>2022/2/23</a:t>
+              <a:t>2022/3/11</a:t>
             </a:fld>
             <a:endParaRPr lang="zh-CN" altLang="en-US"/>
           </a:p>
@@ -1825,7 +1825,7 @@
           <a:p>
             <a:fld id="{AEEC718D-1538-450E-A1EF-13157973CE6E}" type="datetimeFigureOut">
               <a:rPr lang="zh-CN" altLang="en-US" smtClean="0"/>
-              <a:t>2022/2/23</a:t>
+              <a:t>2022/3/11</a:t>
             </a:fld>
             <a:endParaRPr lang="zh-CN" altLang="en-US"/>
           </a:p>
@@ -2102,7 +2102,7 @@
           <a:p>
             <a:fld id="{AEEC718D-1538-450E-A1EF-13157973CE6E}" type="datetimeFigureOut">
               <a:rPr lang="zh-CN" altLang="en-US" smtClean="0"/>
-              <a:t>2022/2/23</a:t>
+              <a:t>2022/3/11</a:t>
             </a:fld>
             <a:endParaRPr lang="zh-CN" altLang="en-US"/>
           </a:p>
@@ -2355,7 +2355,7 @@
           <a:p>
             <a:fld id="{AEEC718D-1538-450E-A1EF-13157973CE6E}" type="datetimeFigureOut">
               <a:rPr lang="zh-CN" altLang="en-US" smtClean="0"/>
-              <a:t>2022/2/23</a:t>
+              <a:t>2022/3/11</a:t>
             </a:fld>
             <a:endParaRPr lang="zh-CN" altLang="en-US"/>
           </a:p>
@@ -2568,7 +2568,7 @@
           <a:p>
             <a:fld id="{AEEC718D-1538-450E-A1EF-13157973CE6E}" type="datetimeFigureOut">
               <a:rPr lang="zh-CN" altLang="en-US" smtClean="0"/>
-              <a:t>2022/2/23</a:t>
+              <a:t>2022/3/11</a:t>
             </a:fld>
             <a:endParaRPr lang="zh-CN" altLang="en-US"/>
           </a:p>
@@ -3108,8 +3108,24 @@
           <a:lstStyle/>
           <a:p>
             <a:r>
+              <a:rPr lang="zh-CN" altLang="en-US" dirty="0" smtClean="0"/>
+              <a:t>优化</a:t>
+            </a:r>
+            <a:r>
               <a:rPr lang="en-US" altLang="zh-CN" dirty="0" smtClean="0"/>
-              <a:t>Optimized to original</a:t>
+              <a:t>RSD</a:t>
+            </a:r>
+            <a:r>
+              <a:rPr lang="en-US" altLang="zh-CN" dirty="0" smtClean="0"/>
+              <a:t> vs. </a:t>
+            </a:r>
+            <a:r>
+              <a:rPr lang="zh-CN" altLang="en-US" dirty="0" smtClean="0"/>
+              <a:t>原始</a:t>
+            </a:r>
+            <a:r>
+              <a:rPr lang="en-US" altLang="zh-CN" dirty="0" smtClean="0"/>
+              <a:t>RSD</a:t>
             </a:r>
             <a:endParaRPr lang="zh-CN" altLang="en-US" dirty="0"/>
           </a:p>
@@ -3124,7 +3140,7 @@
         <p:spPr>
           <a:xfrm>
             <a:off x="6396402" y="1239716"/>
-            <a:ext cx="2294793" cy="369332"/>
+            <a:ext cx="2395906" cy="369332"/>
           </a:xfrm>
           <a:prstGeom prst="rect">
             <a:avLst/>
@@ -3138,8 +3154,20 @@
           <a:lstStyle/>
           <a:p>
             <a:r>
+              <a:rPr lang="zh-CN" altLang="en-US" dirty="0" smtClean="0"/>
+              <a:t>硬件实现</a:t>
+            </a:r>
+            <a:r>
               <a:rPr lang="en-US" altLang="zh-CN" dirty="0" smtClean="0"/>
-              <a:t>Hardware to original</a:t>
+              <a:t> vs. </a:t>
+            </a:r>
+            <a:r>
+              <a:rPr lang="zh-CN" altLang="en-US" dirty="0" smtClean="0"/>
+              <a:t>原始</a:t>
+            </a:r>
+            <a:r>
+              <a:rPr lang="en-US" altLang="zh-CN" dirty="0" smtClean="0"/>
+              <a:t>RSD</a:t>
             </a:r>
             <a:endParaRPr lang="zh-CN" altLang="en-US" dirty="0"/>
           </a:p>
@@ -3289,7 +3317,7 @@
       </p:sp>
       <p:sp>
         <p:nvSpPr>
-          <p:cNvPr id="6" name="文本框 5"/>
+          <p:cNvPr id="8" name="文本框 7"/>
           <p:cNvSpPr txBox="1"/>
           <p:nvPr/>
         </p:nvSpPr>
@@ -3310,8 +3338,24 @@
           <a:lstStyle/>
           <a:p>
             <a:r>
+              <a:rPr lang="zh-CN" altLang="en-US" dirty="0" smtClean="0"/>
+              <a:t>优化</a:t>
+            </a:r>
+            <a:r>
               <a:rPr lang="en-US" altLang="zh-CN" dirty="0" smtClean="0"/>
-              <a:t>Optimized to original</a:t>
+              <a:t>RSD</a:t>
+            </a:r>
+            <a:r>
+              <a:rPr lang="en-US" altLang="zh-CN" dirty="0" smtClean="0"/>
+              <a:t> vs. </a:t>
+            </a:r>
+            <a:r>
+              <a:rPr lang="zh-CN" altLang="en-US" dirty="0" smtClean="0"/>
+              <a:t>原始</a:t>
+            </a:r>
+            <a:r>
+              <a:rPr lang="en-US" altLang="zh-CN" dirty="0" smtClean="0"/>
+              <a:t>RSD</a:t>
             </a:r>
             <a:endParaRPr lang="zh-CN" altLang="en-US" dirty="0"/>
           </a:p>
@@ -3319,14 +3363,14 @@
       </p:sp>
       <p:sp>
         <p:nvSpPr>
-          <p:cNvPr id="7" name="文本框 6"/>
+          <p:cNvPr id="9" name="文本框 8"/>
           <p:cNvSpPr txBox="1"/>
           <p:nvPr/>
         </p:nvSpPr>
         <p:spPr>
           <a:xfrm>
             <a:off x="6396402" y="1239716"/>
-            <a:ext cx="2294793" cy="369332"/>
+            <a:ext cx="2395906" cy="369332"/>
           </a:xfrm>
           <a:prstGeom prst="rect">
             <a:avLst/>
@@ -3340,8 +3384,20 @@
           <a:lstStyle/>
           <a:p>
             <a:r>
+              <a:rPr lang="zh-CN" altLang="en-US" dirty="0" smtClean="0"/>
+              <a:t>硬件实现</a:t>
+            </a:r>
+            <a:r>
               <a:rPr lang="en-US" altLang="zh-CN" dirty="0" smtClean="0"/>
-              <a:t>Hardware to original</a:t>
+              <a:t> vs. </a:t>
+            </a:r>
+            <a:r>
+              <a:rPr lang="zh-CN" altLang="en-US" dirty="0" smtClean="0"/>
+              <a:t>原始</a:t>
+            </a:r>
+            <a:r>
+              <a:rPr lang="en-US" altLang="zh-CN" dirty="0" smtClean="0"/>
+              <a:t>RSD</a:t>
             </a:r>
             <a:endParaRPr lang="zh-CN" altLang="en-US" dirty="0"/>
           </a:p>
@@ -3491,7 +3547,7 @@
       </p:sp>
       <p:sp>
         <p:nvSpPr>
-          <p:cNvPr id="6" name="文本框 5"/>
+          <p:cNvPr id="8" name="文本框 7"/>
           <p:cNvSpPr txBox="1"/>
           <p:nvPr/>
         </p:nvSpPr>
@@ -3512,8 +3568,24 @@
           <a:lstStyle/>
           <a:p>
             <a:r>
+              <a:rPr lang="zh-CN" altLang="en-US" dirty="0" smtClean="0"/>
+              <a:t>优化</a:t>
+            </a:r>
+            <a:r>
               <a:rPr lang="en-US" altLang="zh-CN" dirty="0" smtClean="0"/>
-              <a:t>Optimized to original</a:t>
+              <a:t>RSD</a:t>
+            </a:r>
+            <a:r>
+              <a:rPr lang="en-US" altLang="zh-CN" dirty="0" smtClean="0"/>
+              <a:t> vs. </a:t>
+            </a:r>
+            <a:r>
+              <a:rPr lang="zh-CN" altLang="en-US" dirty="0" smtClean="0"/>
+              <a:t>原始</a:t>
+            </a:r>
+            <a:r>
+              <a:rPr lang="en-US" altLang="zh-CN" dirty="0" smtClean="0"/>
+              <a:t>RSD</a:t>
             </a:r>
             <a:endParaRPr lang="zh-CN" altLang="en-US" dirty="0"/>
           </a:p>
@@ -3521,14 +3593,14 @@
       </p:sp>
       <p:sp>
         <p:nvSpPr>
-          <p:cNvPr id="7" name="文本框 6"/>
+          <p:cNvPr id="9" name="文本框 8"/>
           <p:cNvSpPr txBox="1"/>
           <p:nvPr/>
         </p:nvSpPr>
         <p:spPr>
           <a:xfrm>
             <a:off x="6396402" y="1239716"/>
-            <a:ext cx="2294793" cy="369332"/>
+            <a:ext cx="2395906" cy="369332"/>
           </a:xfrm>
           <a:prstGeom prst="rect">
             <a:avLst/>
@@ -3542,8 +3614,20 @@
           <a:lstStyle/>
           <a:p>
             <a:r>
+              <a:rPr lang="zh-CN" altLang="en-US" dirty="0" smtClean="0"/>
+              <a:t>硬件实现</a:t>
+            </a:r>
+            <a:r>
               <a:rPr lang="en-US" altLang="zh-CN" dirty="0" smtClean="0"/>
-              <a:t>Hardware to original</a:t>
+              <a:t> vs. </a:t>
+            </a:r>
+            <a:r>
+              <a:rPr lang="zh-CN" altLang="en-US" dirty="0" smtClean="0"/>
+              <a:t>原始</a:t>
+            </a:r>
+            <a:r>
+              <a:rPr lang="en-US" altLang="zh-CN" dirty="0" smtClean="0"/>
+              <a:t>RSD</a:t>
             </a:r>
             <a:endParaRPr lang="zh-CN" altLang="en-US" dirty="0"/>
           </a:p>
@@ -3693,7 +3777,7 @@
       </p:sp>
       <p:sp>
         <p:nvSpPr>
-          <p:cNvPr id="6" name="文本框 5"/>
+          <p:cNvPr id="8" name="文本框 7"/>
           <p:cNvSpPr txBox="1"/>
           <p:nvPr/>
         </p:nvSpPr>
@@ -3714,8 +3798,24 @@
           <a:lstStyle/>
           <a:p>
             <a:r>
+              <a:rPr lang="zh-CN" altLang="en-US" dirty="0" smtClean="0"/>
+              <a:t>优化</a:t>
+            </a:r>
+            <a:r>
               <a:rPr lang="en-US" altLang="zh-CN" dirty="0" smtClean="0"/>
-              <a:t>Optimized to original</a:t>
+              <a:t>RSD</a:t>
+            </a:r>
+            <a:r>
+              <a:rPr lang="en-US" altLang="zh-CN" dirty="0" smtClean="0"/>
+              <a:t> vs. </a:t>
+            </a:r>
+            <a:r>
+              <a:rPr lang="zh-CN" altLang="en-US" dirty="0" smtClean="0"/>
+              <a:t>原始</a:t>
+            </a:r>
+            <a:r>
+              <a:rPr lang="en-US" altLang="zh-CN" dirty="0" smtClean="0"/>
+              <a:t>RSD</a:t>
             </a:r>
             <a:endParaRPr lang="zh-CN" altLang="en-US" dirty="0"/>
           </a:p>
@@ -3723,14 +3823,14 @@
       </p:sp>
       <p:sp>
         <p:nvSpPr>
-          <p:cNvPr id="7" name="文本框 6"/>
+          <p:cNvPr id="9" name="文本框 8"/>
           <p:cNvSpPr txBox="1"/>
           <p:nvPr/>
         </p:nvSpPr>
         <p:spPr>
           <a:xfrm>
             <a:off x="6396402" y="1239716"/>
-            <a:ext cx="2294793" cy="369332"/>
+            <a:ext cx="2395906" cy="369332"/>
           </a:xfrm>
           <a:prstGeom prst="rect">
             <a:avLst/>
@@ -3744,8 +3844,20 @@
           <a:lstStyle/>
           <a:p>
             <a:r>
+              <a:rPr lang="zh-CN" altLang="en-US" dirty="0" smtClean="0"/>
+              <a:t>硬件实现</a:t>
+            </a:r>
+            <a:r>
               <a:rPr lang="en-US" altLang="zh-CN" dirty="0" smtClean="0"/>
-              <a:t>Hardware to original</a:t>
+              <a:t> vs. </a:t>
+            </a:r>
+            <a:r>
+              <a:rPr lang="zh-CN" altLang="en-US" dirty="0" smtClean="0"/>
+              <a:t>原始</a:t>
+            </a:r>
+            <a:r>
+              <a:rPr lang="en-US" altLang="zh-CN" dirty="0" smtClean="0"/>
+              <a:t>RSD</a:t>
             </a:r>
             <a:endParaRPr lang="zh-CN" altLang="en-US" dirty="0"/>
           </a:p>
@@ -3895,7 +4007,7 @@
       </p:sp>
       <p:sp>
         <p:nvSpPr>
-          <p:cNvPr id="6" name="文本框 5"/>
+          <p:cNvPr id="8" name="文本框 7"/>
           <p:cNvSpPr txBox="1"/>
           <p:nvPr/>
         </p:nvSpPr>
@@ -3916,8 +4028,24 @@
           <a:lstStyle/>
           <a:p>
             <a:r>
+              <a:rPr lang="zh-CN" altLang="en-US" dirty="0" smtClean="0"/>
+              <a:t>优化</a:t>
+            </a:r>
+            <a:r>
               <a:rPr lang="en-US" altLang="zh-CN" dirty="0" smtClean="0"/>
-              <a:t>Optimized to original</a:t>
+              <a:t>RSD</a:t>
+            </a:r>
+            <a:r>
+              <a:rPr lang="en-US" altLang="zh-CN" dirty="0" smtClean="0"/>
+              <a:t> vs. </a:t>
+            </a:r>
+            <a:r>
+              <a:rPr lang="zh-CN" altLang="en-US" dirty="0" smtClean="0"/>
+              <a:t>原始</a:t>
+            </a:r>
+            <a:r>
+              <a:rPr lang="en-US" altLang="zh-CN" dirty="0" smtClean="0"/>
+              <a:t>RSD</a:t>
             </a:r>
             <a:endParaRPr lang="zh-CN" altLang="en-US" dirty="0"/>
           </a:p>
@@ -3925,14 +4053,14 @@
       </p:sp>
       <p:sp>
         <p:nvSpPr>
-          <p:cNvPr id="7" name="文本框 6"/>
+          <p:cNvPr id="9" name="文本框 8"/>
           <p:cNvSpPr txBox="1"/>
           <p:nvPr/>
         </p:nvSpPr>
         <p:spPr>
           <a:xfrm>
             <a:off x="6396402" y="1239716"/>
-            <a:ext cx="2294793" cy="369332"/>
+            <a:ext cx="2395906" cy="369332"/>
           </a:xfrm>
           <a:prstGeom prst="rect">
             <a:avLst/>
@@ -3946,8 +4074,20 @@
           <a:lstStyle/>
           <a:p>
             <a:r>
+              <a:rPr lang="zh-CN" altLang="en-US" dirty="0" smtClean="0"/>
+              <a:t>硬件实现</a:t>
+            </a:r>
+            <a:r>
               <a:rPr lang="en-US" altLang="zh-CN" dirty="0" smtClean="0"/>
-              <a:t>Hardware to original</a:t>
+              <a:t> vs. </a:t>
+            </a:r>
+            <a:r>
+              <a:rPr lang="zh-CN" altLang="en-US" dirty="0" smtClean="0"/>
+              <a:t>原始</a:t>
+            </a:r>
+            <a:r>
+              <a:rPr lang="en-US" altLang="zh-CN" dirty="0" smtClean="0"/>
+              <a:t>RSD</a:t>
             </a:r>
             <a:endParaRPr lang="zh-CN" altLang="en-US" dirty="0"/>
           </a:p>
